--- a/doc/결측처리.pptx
+++ b/doc/결측처리.pptx
@@ -9,10 +9,10 @@
     <p:sldMasterId id="2147484183" r:id="rId5"/>
   </p:sldMasterIdLst>
   <p:notesMasterIdLst>
-    <p:notesMasterId r:id="rId11"/>
+    <p:notesMasterId r:id="rId12"/>
   </p:notesMasterIdLst>
   <p:handoutMasterIdLst>
-    <p:handoutMasterId r:id="rId12"/>
+    <p:handoutMasterId r:id="rId13"/>
   </p:handoutMasterIdLst>
   <p:sldIdLst>
     <p:sldId id="1214" r:id="rId6"/>
@@ -20,14 +20,15 @@
     <p:sldId id="1218" r:id="rId8"/>
     <p:sldId id="1219" r:id="rId9"/>
     <p:sldId id="1220" r:id="rId10"/>
+    <p:sldId id="1221" r:id="rId11"/>
   </p:sldIdLst>
   <p:sldSz cx="9906000" cy="6858000" type="A4"/>
   <p:notesSz cx="6797675" cy="9928225"/>
   <p:embeddedFontLst>
     <p:embeddedFont>
       <p:font typeface="맑은 고딕" panose="020B0503020000020004" pitchFamily="50" charset="-127"/>
-      <p:regular r:id="rId13"/>
-      <p:bold r:id="rId14"/>
+      <p:regular r:id="rId14"/>
+      <p:bold r:id="rId15"/>
     </p:embeddedFont>
   </p:embeddedFontLst>
   <p:defaultTextStyle>
@@ -396,7 +397,7 @@
             <a:fld id="{C036B14C-1EE6-40CC-B47F-D850A52A37F2}" type="datetimeFigureOut">
               <a:rPr lang="ko-KR" altLang="en-US" smtClean="0"/>
               <a:pPr/>
-              <a:t>2020-01-16</a:t>
+              <a:t>2020-01-22</a:t>
             </a:fld>
             <a:endParaRPr lang="ko-KR" altLang="en-US"/>
           </a:p>
@@ -1110,7 +1111,7 @@
             <a:fld id="{85971C86-2C5B-EB43-BE75-C1CF31CC9443}" type="datetime1">
               <a:rPr lang="ko-KR" altLang="en-US" smtClean="0"/>
               <a:pPr/>
-              <a:t>2020-01-16</a:t>
+              <a:t>2020-01-22</a:t>
             </a:fld>
             <a:endParaRPr lang="ko-KR" altLang="en-US"/>
           </a:p>
@@ -1394,7 +1395,7 @@
             <a:fld id="{5F96B0C1-D31C-2C4E-87C8-D33CB6019974}" type="datetime1">
               <a:rPr lang="ko-KR" altLang="en-US" smtClean="0"/>
               <a:pPr/>
-              <a:t>2020-01-16</a:t>
+              <a:t>2020-01-22</a:t>
             </a:fld>
             <a:endParaRPr lang="ko-KR" altLang="en-US"/>
           </a:p>
@@ -1655,7 +1656,7 @@
             <a:fld id="{5ECDD9AB-C603-1F47-8CC7-C2DC03A70B08}" type="datetime1">
               <a:rPr lang="ko-KR" altLang="en-US" smtClean="0"/>
               <a:pPr/>
-              <a:t>2020-01-16</a:t>
+              <a:t>2020-01-22</a:t>
             </a:fld>
             <a:endParaRPr lang="ko-KR" altLang="en-US"/>
           </a:p>
@@ -1832,7 +1833,7 @@
             <a:fld id="{E9C6FFBC-BA29-034A-B378-F9B169232D6B}" type="datetime1">
               <a:rPr lang="ko-KR" altLang="en-US" smtClean="0"/>
               <a:pPr/>
-              <a:t>2020-01-16</a:t>
+              <a:t>2020-01-22</a:t>
             </a:fld>
             <a:endParaRPr lang="ko-KR" altLang="en-US"/>
           </a:p>
@@ -2019,7 +2020,7 @@
             <a:fld id="{ABB0C4CB-EA9A-7043-A0E9-88EACA751849}" type="datetime1">
               <a:rPr lang="ko-KR" altLang="en-US" smtClean="0"/>
               <a:pPr/>
-              <a:t>2020-01-16</a:t>
+              <a:t>2020-01-22</a:t>
             </a:fld>
             <a:endParaRPr lang="ko-KR" altLang="en-US"/>
           </a:p>
@@ -2137,7 +2138,7 @@
             <a:fld id="{053B3F64-277D-4441-BC5D-2FE3F62AC76E}" type="datetime1">
               <a:rPr lang="ko-KR" altLang="en-US" smtClean="0"/>
               <a:pPr/>
-              <a:t>2020-01-16</a:t>
+              <a:t>2020-01-22</a:t>
             </a:fld>
             <a:endParaRPr lang="ko-KR" altLang="en-US"/>
           </a:p>
@@ -2287,7 +2288,7 @@
             <a:fld id="{B4DFDC0C-3D50-A845-A5C0-CAA9FC928EB4}" type="datetime1">
               <a:rPr lang="ko-KR" altLang="en-US" smtClean="0"/>
               <a:pPr/>
-              <a:t>2020-01-16</a:t>
+              <a:t>2020-01-22</a:t>
             </a:fld>
             <a:endParaRPr lang="ko-KR" altLang="en-US"/>
           </a:p>
@@ -2437,7 +2438,7 @@
             <a:fld id="{3D199F70-D683-734C-A8C5-87F26417ABAD}" type="datetime1">
               <a:rPr lang="ko-KR" altLang="en-US" smtClean="0"/>
               <a:pPr/>
-              <a:t>2020-01-16</a:t>
+              <a:t>2020-01-22</a:t>
             </a:fld>
             <a:endParaRPr lang="ko-KR" altLang="en-US"/>
           </a:p>
@@ -2587,7 +2588,7 @@
             <a:fld id="{960CF2B0-DA2E-1A42-B8B9-BA427F910D95}" type="datetime1">
               <a:rPr lang="ko-KR" altLang="en-US" smtClean="0"/>
               <a:pPr/>
-              <a:t>2020-01-16</a:t>
+              <a:t>2020-01-22</a:t>
             </a:fld>
             <a:endParaRPr lang="ko-KR" altLang="en-US"/>
           </a:p>
@@ -2737,7 +2738,7 @@
             <a:fld id="{8A46EEB6-2CD5-FE46-A18E-C13DD1993F9D}" type="datetime1">
               <a:rPr lang="ko-KR" altLang="en-US" smtClean="0"/>
               <a:pPr/>
-              <a:t>2020-01-16</a:t>
+              <a:t>2020-01-22</a:t>
             </a:fld>
             <a:endParaRPr lang="ko-KR" altLang="en-US"/>
           </a:p>
@@ -2918,7 +2919,7 @@
             <a:fld id="{5E7DFC15-5941-A048-8C41-5DB4C57DF04B}" type="datetime1">
               <a:rPr lang="ko-KR" altLang="en-US" smtClean="0"/>
               <a:pPr/>
-              <a:t>2020-01-16</a:t>
+              <a:t>2020-01-22</a:t>
             </a:fld>
             <a:endParaRPr lang="ko-KR" altLang="en-US"/>
           </a:p>
@@ -3183,7 +3184,7 @@
             <a:fld id="{6B78E568-C3F1-FF4D-94CB-CFEF044AD879}" type="datetime1">
               <a:rPr lang="ko-KR" altLang="en-US" smtClean="0"/>
               <a:pPr/>
-              <a:t>2020-01-16</a:t>
+              <a:t>2020-01-22</a:t>
             </a:fld>
             <a:endParaRPr lang="ko-KR" altLang="en-US"/>
           </a:p>
@@ -3360,7 +3361,7 @@
             <a:fld id="{C54433C8-06B1-D74D-925C-D5B79117A52B}" type="datetime1">
               <a:rPr lang="ko-KR" altLang="en-US" smtClean="0"/>
               <a:pPr/>
-              <a:t>2020-01-16</a:t>
+              <a:t>2020-01-22</a:t>
             </a:fld>
             <a:endParaRPr lang="ko-KR" altLang="en-US"/>
           </a:p>
@@ -3614,7 +3615,7 @@
             <a:fld id="{91087711-7130-694F-A36F-AE0AE5BBF389}" type="datetime1">
               <a:rPr lang="ko-KR" altLang="en-US" smtClean="0"/>
               <a:pPr/>
-              <a:t>2020-01-16</a:t>
+              <a:t>2020-01-22</a:t>
             </a:fld>
             <a:endParaRPr lang="ko-KR" altLang="en-US"/>
           </a:p>
@@ -3908,7 +3909,7 @@
             <a:fld id="{E3C9997B-A5F9-5249-A3BE-C0FFADAA8AD5}" type="datetime1">
               <a:rPr lang="ko-KR" altLang="en-US" smtClean="0"/>
               <a:pPr/>
-              <a:t>2020-01-16</a:t>
+              <a:t>2020-01-22</a:t>
             </a:fld>
             <a:endParaRPr lang="ko-KR" altLang="en-US"/>
           </a:p>
@@ -4336,7 +4337,7 @@
             <a:fld id="{B22D9A76-5AC8-A340-9F87-D4B239793FBE}" type="datetime1">
               <a:rPr lang="ko-KR" altLang="en-US" smtClean="0"/>
               <a:pPr/>
-              <a:t>2020-01-16</a:t>
+              <a:t>2020-01-22</a:t>
             </a:fld>
             <a:endParaRPr lang="ko-KR" altLang="en-US"/>
           </a:p>
@@ -4462,7 +4463,7 @@
             <a:fld id="{E3BCE3C1-E2DE-4342-8A94-641BD87BCA57}" type="datetime1">
               <a:rPr lang="ko-KR" altLang="en-US" smtClean="0"/>
               <a:pPr/>
-              <a:t>2020-01-16</a:t>
+              <a:t>2020-01-22</a:t>
             </a:fld>
             <a:endParaRPr lang="ko-KR" altLang="en-US"/>
           </a:p>
@@ -5702,7 +5703,7 @@
             <a:fld id="{81C152DC-6DE1-DA4E-B38A-16E700344C5F}" type="datetime1">
               <a:rPr lang="ko-KR" altLang="en-US" smtClean="0"/>
               <a:pPr/>
-              <a:t>2020-01-16</a:t>
+              <a:t>2020-01-22</a:t>
             </a:fld>
             <a:endParaRPr lang="ko-KR" altLang="en-US"/>
           </a:p>
@@ -9659,6 +9660,652 @@
       </p:par>
     </p:tnLst>
   </p:timing>
+</p:sld>
+</file>
+
+<file path=ppt/slides/slide6.xml><?xml version="1.0" encoding="utf-8"?>
+<p:sld xmlns:a="http://schemas.openxmlformats.org/drawingml/2006/main" xmlns:r="http://schemas.openxmlformats.org/officeDocument/2006/relationships" xmlns:p="http://schemas.openxmlformats.org/presentationml/2006/main">
+  <p:cSld>
+    <p:spTree>
+      <p:nvGrpSpPr>
+        <p:cNvPr id="1" name=""/>
+        <p:cNvGrpSpPr/>
+        <p:nvPr/>
+      </p:nvGrpSpPr>
+      <p:grpSpPr>
+        <a:xfrm>
+          <a:off x="0" y="0"/>
+          <a:ext cx="0" cy="0"/>
+          <a:chOff x="0" y="0"/>
+          <a:chExt cx="0" cy="0"/>
+        </a:xfrm>
+      </p:grpSpPr>
+      <p:sp>
+        <p:nvSpPr>
+          <p:cNvPr id="2" name="슬라이드 번호 개체 틀 1"/>
+          <p:cNvSpPr>
+            <a:spLocks noGrp="1"/>
+          </p:cNvSpPr>
+          <p:nvPr>
+            <p:ph type="sldNum" sz="quarter" idx="12"/>
+          </p:nvPr>
+        </p:nvSpPr>
+        <p:spPr/>
+        <p:txBody>
+          <a:bodyPr/>
+          <a:lstStyle/>
+          <a:p>
+            <a:fld id="{33796E3F-F6B7-490E-938A-9F8EC05675D0}" type="slidenum">
+              <a:rPr lang="ko-KR" altLang="en-US" smtClean="0"/>
+              <a:pPr/>
+              <a:t>5</a:t>
+            </a:fld>
+            <a:endParaRPr lang="ko-KR" altLang="en-US"/>
+          </a:p>
+        </p:txBody>
+      </p:sp>
+      <p:sp>
+        <p:nvSpPr>
+          <p:cNvPr id="3" name="Rectangle 2"/>
+          <p:cNvSpPr txBox="1">
+            <a:spLocks noChangeArrowheads="1"/>
+          </p:cNvSpPr>
+          <p:nvPr/>
+        </p:nvSpPr>
+        <p:spPr bwMode="auto">
+          <a:xfrm>
+            <a:off x="128464" y="201122"/>
+            <a:ext cx="5400600" cy="400110"/>
+          </a:xfrm>
+          <a:prstGeom prst="rect">
+            <a:avLst/>
+          </a:prstGeom>
+          <a:noFill/>
+          <a:ln>
+            <a:noFill/>
+          </a:ln>
+          <a:extLst>
+            <a:ext uri="{909E8E84-426E-40DD-AFC4-6F175D3DCCD1}">
+              <a14:hiddenFill xmlns:a14="http://schemas.microsoft.com/office/drawing/2010/main">
+                <a:solidFill>
+                  <a:srgbClr val="FFFFFF"/>
+                </a:solidFill>
+              </a14:hiddenFill>
+            </a:ext>
+            <a:ext uri="{91240B29-F687-4F45-9708-019B960494DF}">
+              <a14:hiddenLine xmlns:a14="http://schemas.microsoft.com/office/drawing/2010/main" w="9525">
+                <a:solidFill>
+                  <a:srgbClr val="000000"/>
+                </a:solidFill>
+                <a:miter lim="800000"/>
+                <a:headEnd/>
+                <a:tailEnd/>
+              </a14:hiddenLine>
+            </a:ext>
+          </a:extLst>
+        </p:spPr>
+        <p:txBody>
+          <a:bodyPr wrap="square">
+            <a:spAutoFit/>
+          </a:bodyPr>
+          <a:lstStyle>
+            <a:lvl1pPr latinLnBrk="1">
+              <a:defRPr kumimoji="1" sz="1200" b="1">
+                <a:solidFill>
+                  <a:schemeClr val="tx1"/>
+                </a:solidFill>
+                <a:latin typeface="돋움" pitchFamily="50" charset="-127"/>
+                <a:ea typeface="굴림" charset="-127"/>
+              </a:defRPr>
+            </a:lvl1pPr>
+            <a:lvl2pPr marL="742950" indent="-285750" latinLnBrk="1">
+              <a:defRPr kumimoji="1" sz="1200" b="1">
+                <a:solidFill>
+                  <a:schemeClr val="tx1"/>
+                </a:solidFill>
+                <a:latin typeface="돋움" pitchFamily="50" charset="-127"/>
+                <a:ea typeface="굴림" charset="-127"/>
+              </a:defRPr>
+            </a:lvl2pPr>
+            <a:lvl3pPr marL="1143000" indent="-228600" latinLnBrk="1">
+              <a:defRPr kumimoji="1" sz="1200" b="1">
+                <a:solidFill>
+                  <a:schemeClr val="tx1"/>
+                </a:solidFill>
+                <a:latin typeface="돋움" pitchFamily="50" charset="-127"/>
+                <a:ea typeface="굴림" charset="-127"/>
+              </a:defRPr>
+            </a:lvl3pPr>
+            <a:lvl4pPr marL="1600200" indent="-228600" latinLnBrk="1">
+              <a:defRPr kumimoji="1" sz="1200" b="1">
+                <a:solidFill>
+                  <a:schemeClr val="tx1"/>
+                </a:solidFill>
+                <a:latin typeface="돋움" pitchFamily="50" charset="-127"/>
+                <a:ea typeface="굴림" charset="-127"/>
+              </a:defRPr>
+            </a:lvl4pPr>
+            <a:lvl5pPr marL="2057400" indent="-228600" latinLnBrk="1">
+              <a:defRPr kumimoji="1" sz="1200" b="1">
+                <a:solidFill>
+                  <a:schemeClr val="tx1"/>
+                </a:solidFill>
+                <a:latin typeface="돋움" pitchFamily="50" charset="-127"/>
+                <a:ea typeface="굴림" charset="-127"/>
+              </a:defRPr>
+            </a:lvl5pPr>
+            <a:lvl6pPr marL="2514600" indent="-228600" eaLnBrk="0" fontAlgn="base" hangingPunct="0">
+              <a:spcBef>
+                <a:spcPct val="0"/>
+              </a:spcBef>
+              <a:spcAft>
+                <a:spcPct val="0"/>
+              </a:spcAft>
+              <a:defRPr kumimoji="1" sz="1200" b="1">
+                <a:solidFill>
+                  <a:schemeClr val="tx1"/>
+                </a:solidFill>
+                <a:latin typeface="돋움" pitchFamily="50" charset="-127"/>
+                <a:ea typeface="굴림" charset="-127"/>
+              </a:defRPr>
+            </a:lvl6pPr>
+            <a:lvl7pPr marL="2971800" indent="-228600" eaLnBrk="0" fontAlgn="base" hangingPunct="0">
+              <a:spcBef>
+                <a:spcPct val="0"/>
+              </a:spcBef>
+              <a:spcAft>
+                <a:spcPct val="0"/>
+              </a:spcAft>
+              <a:defRPr kumimoji="1" sz="1200" b="1">
+                <a:solidFill>
+                  <a:schemeClr val="tx1"/>
+                </a:solidFill>
+                <a:latin typeface="돋움" pitchFamily="50" charset="-127"/>
+                <a:ea typeface="굴림" charset="-127"/>
+              </a:defRPr>
+            </a:lvl7pPr>
+            <a:lvl8pPr marL="3429000" indent="-228600" eaLnBrk="0" fontAlgn="base" hangingPunct="0">
+              <a:spcBef>
+                <a:spcPct val="0"/>
+              </a:spcBef>
+              <a:spcAft>
+                <a:spcPct val="0"/>
+              </a:spcAft>
+              <a:defRPr kumimoji="1" sz="1200" b="1">
+                <a:solidFill>
+                  <a:schemeClr val="tx1"/>
+                </a:solidFill>
+                <a:latin typeface="돋움" pitchFamily="50" charset="-127"/>
+                <a:ea typeface="굴림" charset="-127"/>
+              </a:defRPr>
+            </a:lvl8pPr>
+            <a:lvl9pPr marL="3886200" indent="-228600" eaLnBrk="0" fontAlgn="base" hangingPunct="0">
+              <a:spcBef>
+                <a:spcPct val="0"/>
+              </a:spcBef>
+              <a:spcAft>
+                <a:spcPct val="0"/>
+              </a:spcAft>
+              <a:defRPr kumimoji="1" sz="1200" b="1">
+                <a:solidFill>
+                  <a:schemeClr val="tx1"/>
+                </a:solidFill>
+                <a:latin typeface="돋움" pitchFamily="50" charset="-127"/>
+                <a:ea typeface="굴림" charset="-127"/>
+              </a:defRPr>
+            </a:lvl9pPr>
+          </a:lstStyle>
+          <a:p>
+            <a:pPr eaLnBrk="1" hangingPunct="1"/>
+            <a:r>
+              <a:rPr lang="ko-KR" altLang="en-US" sz="2000" dirty="0" smtClean="0">
+                <a:solidFill>
+                  <a:schemeClr val="bg1"/>
+                </a:solidFill>
+                <a:latin typeface="+mj-ea"/>
+                <a:ea typeface="+mj-ea"/>
+                <a:sym typeface="Wingdings" pitchFamily="2" charset="2"/>
+              </a:rPr>
+              <a:t>결측 해결방법 </a:t>
+            </a:r>
+            <a:endParaRPr lang="en-US" altLang="ko-KR" sz="2000" dirty="0">
+              <a:solidFill>
+                <a:schemeClr val="bg1"/>
+              </a:solidFill>
+              <a:latin typeface="+mj-ea"/>
+              <a:ea typeface="+mj-ea"/>
+              <a:sym typeface="Wingdings" pitchFamily="2" charset="2"/>
+            </a:endParaRPr>
+          </a:p>
+        </p:txBody>
+      </p:sp>
+      <p:sp>
+        <p:nvSpPr>
+          <p:cNvPr id="4" name="Rectangle 41">
+            <a:extLst>
+              <a:ext uri="{FF2B5EF4-FFF2-40B4-BE49-F238E27FC236}">
+                <a16:creationId xmlns:a16="http://schemas.microsoft.com/office/drawing/2014/main" id="{83FF4C79-FD07-4B45-A74F-F47818CE5E37}"/>
+              </a:ext>
+            </a:extLst>
+          </p:cNvPr>
+          <p:cNvSpPr>
+            <a:spLocks noChangeArrowheads="1"/>
+          </p:cNvSpPr>
+          <p:nvPr/>
+        </p:nvSpPr>
+        <p:spPr bwMode="auto">
+          <a:xfrm>
+            <a:off x="496888" y="1133127"/>
+            <a:ext cx="8928992" cy="1296145"/>
+          </a:xfrm>
+          <a:prstGeom prst="rect">
+            <a:avLst/>
+          </a:prstGeom>
+          <a:noFill/>
+          <a:ln w="9525" algn="ctr">
+            <a:noFill/>
+            <a:miter lim="800000"/>
+            <a:headEnd/>
+            <a:tailEnd/>
+          </a:ln>
+          <a:effectLst/>
+        </p:spPr>
+        <p:txBody>
+          <a:bodyPr lIns="72000" tIns="0" rIns="0" bIns="0" anchor="t"/>
+          <a:lstStyle/>
+          <a:p>
+            <a:pPr latinLnBrk="0">
+              <a:lnSpc>
+                <a:spcPct val="150000"/>
+              </a:lnSpc>
+            </a:pPr>
+            <a:r>
+              <a:rPr lang="en-US" altLang="ko-KR" sz="1200" dirty="0" smtClean="0">
+                <a:latin typeface="+mj-ea"/>
+                <a:ea typeface="+mj-ea"/>
+                <a:sym typeface="Wingdings" panose="05000000000000000000" pitchFamily="2" charset="2"/>
+              </a:rPr>
+              <a:t>Expectation Maximization Algorithm (EM; </a:t>
+            </a:r>
+            <a:r>
+              <a:rPr lang="ko-KR" altLang="en-US" sz="1200" dirty="0" err="1" smtClean="0">
+                <a:latin typeface="+mj-ea"/>
+                <a:ea typeface="+mj-ea"/>
+                <a:sym typeface="Wingdings" panose="05000000000000000000" pitchFamily="2" charset="2"/>
+              </a:rPr>
+              <a:t>기댓값</a:t>
+            </a:r>
+            <a:r>
+              <a:rPr lang="ko-KR" altLang="en-US" sz="1200" dirty="0" smtClean="0">
+                <a:latin typeface="+mj-ea"/>
+                <a:ea typeface="+mj-ea"/>
+                <a:sym typeface="Wingdings" panose="05000000000000000000" pitchFamily="2" charset="2"/>
+              </a:rPr>
+              <a:t> 최대화 알고리즘</a:t>
+            </a:r>
+            <a:r>
+              <a:rPr lang="en-US" altLang="ko-KR" sz="1200" dirty="0" smtClean="0">
+                <a:latin typeface="+mj-ea"/>
+                <a:ea typeface="+mj-ea"/>
+                <a:sym typeface="Wingdings" panose="05000000000000000000" pitchFamily="2" charset="2"/>
+              </a:rPr>
+              <a:t>)</a:t>
+            </a:r>
+          </a:p>
+          <a:p>
+            <a:pPr latinLnBrk="0">
+              <a:lnSpc>
+                <a:spcPct val="150000"/>
+              </a:lnSpc>
+            </a:pPr>
+            <a:r>
+              <a:rPr lang="en-US" altLang="ko-KR" sz="1200" dirty="0">
+                <a:latin typeface="+mj-ea"/>
+                <a:ea typeface="+mj-ea"/>
+                <a:sym typeface="Wingdings" panose="05000000000000000000" pitchFamily="2" charset="2"/>
+              </a:rPr>
+              <a:t> </a:t>
+            </a:r>
+            <a:r>
+              <a:rPr lang="ko-KR" altLang="en-US" sz="1200" dirty="0" smtClean="0">
+                <a:latin typeface="+mj-ea"/>
+                <a:ea typeface="+mj-ea"/>
+                <a:sym typeface="Wingdings" panose="05000000000000000000" pitchFamily="2" charset="2"/>
+              </a:rPr>
+              <a:t>관측되지 않은 </a:t>
+            </a:r>
+            <a:r>
+              <a:rPr lang="ko-KR" altLang="en-US" sz="1200" dirty="0" err="1" smtClean="0">
+                <a:latin typeface="+mj-ea"/>
+                <a:ea typeface="+mj-ea"/>
+                <a:sym typeface="Wingdings" panose="05000000000000000000" pitchFamily="2" charset="2"/>
+              </a:rPr>
+              <a:t>잠재변수에</a:t>
+            </a:r>
+            <a:r>
+              <a:rPr lang="ko-KR" altLang="en-US" sz="1200" dirty="0" smtClean="0">
+                <a:latin typeface="+mj-ea"/>
+                <a:ea typeface="+mj-ea"/>
+                <a:sym typeface="Wingdings" panose="05000000000000000000" pitchFamily="2" charset="2"/>
+              </a:rPr>
+              <a:t> 의존하는 확률 모델에서 </a:t>
+            </a:r>
+            <a:r>
+              <a:rPr lang="ko-KR" altLang="en-US" sz="1200" dirty="0" err="1" smtClean="0">
+                <a:latin typeface="+mj-ea"/>
+                <a:ea typeface="+mj-ea"/>
+                <a:sym typeface="Wingdings" panose="05000000000000000000" pitchFamily="2" charset="2"/>
+              </a:rPr>
+              <a:t>최대가능도</a:t>
+            </a:r>
+            <a:r>
+              <a:rPr lang="en-US" altLang="ko-KR" sz="1200" dirty="0" smtClean="0">
+                <a:latin typeface="+mj-ea"/>
+                <a:ea typeface="+mj-ea"/>
+                <a:sym typeface="Wingdings" panose="05000000000000000000" pitchFamily="2" charset="2"/>
+              </a:rPr>
+              <a:t>(maximum likelihood)</a:t>
+            </a:r>
+            <a:r>
+              <a:rPr lang="ko-KR" altLang="en-US" sz="1200" dirty="0" smtClean="0">
+                <a:latin typeface="+mj-ea"/>
+                <a:ea typeface="+mj-ea"/>
+                <a:sym typeface="Wingdings" panose="05000000000000000000" pitchFamily="2" charset="2"/>
+              </a:rPr>
+              <a:t>나 최대 </a:t>
+            </a:r>
+            <a:r>
+              <a:rPr lang="ko-KR" altLang="en-US" sz="1200" dirty="0" err="1" smtClean="0">
+                <a:latin typeface="+mj-ea"/>
+                <a:ea typeface="+mj-ea"/>
+                <a:sym typeface="Wingdings" panose="05000000000000000000" pitchFamily="2" charset="2"/>
+              </a:rPr>
+              <a:t>사후확률</a:t>
+            </a:r>
+            <a:r>
+              <a:rPr lang="en-US" altLang="ko-KR" sz="1200" dirty="0" smtClean="0">
+                <a:latin typeface="+mj-ea"/>
+                <a:ea typeface="+mj-ea"/>
+                <a:sym typeface="Wingdings" panose="05000000000000000000" pitchFamily="2" charset="2"/>
+              </a:rPr>
+              <a:t>(</a:t>
+            </a:r>
+            <a:r>
+              <a:rPr lang="en-US" altLang="ko-KR" sz="1200" dirty="0" err="1" smtClean="0">
+                <a:latin typeface="+mj-ea"/>
+                <a:ea typeface="+mj-ea"/>
+                <a:sym typeface="Wingdings" panose="05000000000000000000" pitchFamily="2" charset="2"/>
+              </a:rPr>
+              <a:t>Maximun</a:t>
+            </a:r>
+            <a:r>
+              <a:rPr lang="en-US" altLang="ko-KR" sz="1200" dirty="0" smtClean="0">
+                <a:latin typeface="+mj-ea"/>
+                <a:ea typeface="+mj-ea"/>
+                <a:sym typeface="Wingdings" panose="05000000000000000000" pitchFamily="2" charset="2"/>
+              </a:rPr>
+              <a:t> a posteriori)</a:t>
+            </a:r>
+            <a:r>
+              <a:rPr lang="ko-KR" altLang="en-US" sz="1200" dirty="0" smtClean="0">
+                <a:latin typeface="+mj-ea"/>
+                <a:ea typeface="+mj-ea"/>
+                <a:sym typeface="Wingdings" panose="05000000000000000000" pitchFamily="2" charset="2"/>
+              </a:rPr>
+              <a:t>을 갖는 </a:t>
+            </a:r>
+            <a:r>
+              <a:rPr lang="ko-KR" altLang="en-US" sz="1200" dirty="0" err="1" smtClean="0">
+                <a:latin typeface="+mj-ea"/>
+                <a:ea typeface="+mj-ea"/>
+                <a:sym typeface="Wingdings" panose="05000000000000000000" pitchFamily="2" charset="2"/>
+              </a:rPr>
+              <a:t>모수의</a:t>
+            </a:r>
+            <a:r>
+              <a:rPr lang="ko-KR" altLang="en-US" sz="1200" dirty="0" smtClean="0">
+                <a:latin typeface="+mj-ea"/>
+                <a:ea typeface="+mj-ea"/>
+                <a:sym typeface="Wingdings" panose="05000000000000000000" pitchFamily="2" charset="2"/>
+              </a:rPr>
+              <a:t> </a:t>
+            </a:r>
+            <a:r>
+              <a:rPr lang="ko-KR" altLang="en-US" sz="1200" dirty="0" err="1" smtClean="0">
+                <a:latin typeface="+mj-ea"/>
+                <a:ea typeface="+mj-ea"/>
+                <a:sym typeface="Wingdings" panose="05000000000000000000" pitchFamily="2" charset="2"/>
+              </a:rPr>
+              <a:t>추정값을</a:t>
+            </a:r>
+            <a:r>
+              <a:rPr lang="ko-KR" altLang="en-US" sz="1200" dirty="0" smtClean="0">
+                <a:latin typeface="+mj-ea"/>
+                <a:ea typeface="+mj-ea"/>
+                <a:sym typeface="Wingdings" panose="05000000000000000000" pitchFamily="2" charset="2"/>
+              </a:rPr>
+              <a:t> 찾는 반복적인 알고리즘이다</a:t>
+            </a:r>
+            <a:r>
+              <a:rPr lang="en-US" altLang="ko-KR" sz="1200" dirty="0" smtClean="0">
+                <a:latin typeface="+mj-ea"/>
+                <a:ea typeface="+mj-ea"/>
+                <a:sym typeface="Wingdings" panose="05000000000000000000" pitchFamily="2" charset="2"/>
+              </a:rPr>
+              <a:t>. EM </a:t>
+            </a:r>
+            <a:r>
+              <a:rPr lang="ko-KR" altLang="en-US" sz="1200" dirty="0" smtClean="0">
+                <a:latin typeface="+mj-ea"/>
+                <a:ea typeface="+mj-ea"/>
+                <a:sym typeface="Wingdings" panose="05000000000000000000" pitchFamily="2" charset="2"/>
+              </a:rPr>
+              <a:t>알고리즘은 </a:t>
+            </a:r>
+            <a:r>
+              <a:rPr lang="ko-KR" altLang="en-US" sz="1200" dirty="0" err="1" smtClean="0">
+                <a:latin typeface="+mj-ea"/>
+                <a:ea typeface="+mj-ea"/>
+                <a:sym typeface="Wingdings" panose="05000000000000000000" pitchFamily="2" charset="2"/>
+              </a:rPr>
+              <a:t>모수에</a:t>
+            </a:r>
+            <a:r>
+              <a:rPr lang="ko-KR" altLang="en-US" sz="1200" dirty="0" smtClean="0">
+                <a:latin typeface="+mj-ea"/>
+                <a:ea typeface="+mj-ea"/>
+                <a:sym typeface="Wingdings" panose="05000000000000000000" pitchFamily="2" charset="2"/>
+              </a:rPr>
+              <a:t> 관한 </a:t>
+            </a:r>
+            <a:r>
+              <a:rPr lang="ko-KR" altLang="en-US" sz="1200" dirty="0" err="1" smtClean="0">
+                <a:latin typeface="+mj-ea"/>
+                <a:ea typeface="+mj-ea"/>
+                <a:sym typeface="Wingdings" panose="05000000000000000000" pitchFamily="2" charset="2"/>
+              </a:rPr>
+              <a:t>추정값으로</a:t>
+            </a:r>
+            <a:r>
+              <a:rPr lang="ko-KR" altLang="en-US" sz="1200" dirty="0" smtClean="0">
+                <a:latin typeface="+mj-ea"/>
+                <a:ea typeface="+mj-ea"/>
+                <a:sym typeface="Wingdings" panose="05000000000000000000" pitchFamily="2" charset="2"/>
+              </a:rPr>
+              <a:t> 로그가능도의 </a:t>
+            </a:r>
+            <a:r>
+              <a:rPr lang="ko-KR" altLang="en-US" sz="1200" dirty="0" err="1" smtClean="0">
+                <a:latin typeface="+mj-ea"/>
+                <a:ea typeface="+mj-ea"/>
+                <a:sym typeface="Wingdings" panose="05000000000000000000" pitchFamily="2" charset="2"/>
+              </a:rPr>
+              <a:t>기댓값을</a:t>
+            </a:r>
+            <a:r>
+              <a:rPr lang="ko-KR" altLang="en-US" sz="1200" dirty="0" smtClean="0">
+                <a:latin typeface="+mj-ea"/>
+                <a:ea typeface="+mj-ea"/>
+                <a:sym typeface="Wingdings" panose="05000000000000000000" pitchFamily="2" charset="2"/>
+              </a:rPr>
+              <a:t> 계산하는 </a:t>
+            </a:r>
+            <a:r>
+              <a:rPr lang="en-US" altLang="ko-KR" sz="1200" dirty="0" smtClean="0">
+                <a:latin typeface="+mj-ea"/>
+                <a:ea typeface="+mj-ea"/>
+                <a:sym typeface="Wingdings" panose="05000000000000000000" pitchFamily="2" charset="2"/>
+              </a:rPr>
+              <a:t>E </a:t>
+            </a:r>
+            <a:r>
+              <a:rPr lang="ko-KR" altLang="en-US" sz="1200" dirty="0" smtClean="0">
+                <a:latin typeface="+mj-ea"/>
+                <a:ea typeface="+mj-ea"/>
+                <a:sym typeface="Wingdings" panose="05000000000000000000" pitchFamily="2" charset="2"/>
+              </a:rPr>
+              <a:t>단계와 최대화하는 </a:t>
+            </a:r>
+            <a:r>
+              <a:rPr lang="ko-KR" altLang="en-US" sz="1200" dirty="0" err="1" smtClean="0">
+                <a:latin typeface="+mj-ea"/>
+                <a:ea typeface="+mj-ea"/>
+                <a:sym typeface="Wingdings" panose="05000000000000000000" pitchFamily="2" charset="2"/>
+              </a:rPr>
+              <a:t>모수</a:t>
+            </a:r>
+            <a:r>
+              <a:rPr lang="ko-KR" altLang="en-US" sz="1200" dirty="0" smtClean="0">
+                <a:latin typeface="+mj-ea"/>
+                <a:ea typeface="+mj-ea"/>
+                <a:sym typeface="Wingdings" panose="05000000000000000000" pitchFamily="2" charset="2"/>
+              </a:rPr>
+              <a:t> </a:t>
+            </a:r>
+            <a:r>
+              <a:rPr lang="ko-KR" altLang="en-US" sz="1200" dirty="0" err="1" smtClean="0">
+                <a:latin typeface="+mj-ea"/>
+                <a:ea typeface="+mj-ea"/>
+                <a:sym typeface="Wingdings" panose="05000000000000000000" pitchFamily="2" charset="2"/>
+              </a:rPr>
+              <a:t>추정값들을</a:t>
+            </a:r>
+            <a:r>
+              <a:rPr lang="ko-KR" altLang="en-US" sz="1200" dirty="0" smtClean="0">
+                <a:latin typeface="+mj-ea"/>
+                <a:ea typeface="+mj-ea"/>
+                <a:sym typeface="Wingdings" panose="05000000000000000000" pitchFamily="2" charset="2"/>
+              </a:rPr>
+              <a:t> 구하는 최대화 </a:t>
+            </a:r>
+            <a:r>
+              <a:rPr lang="en-US" altLang="ko-KR" sz="1200" dirty="0" smtClean="0">
+                <a:latin typeface="+mj-ea"/>
+                <a:ea typeface="+mj-ea"/>
+                <a:sym typeface="Wingdings" panose="05000000000000000000" pitchFamily="2" charset="2"/>
+              </a:rPr>
+              <a:t>M </a:t>
+            </a:r>
+            <a:r>
+              <a:rPr lang="ko-KR" altLang="en-US" sz="1200" dirty="0" smtClean="0">
+                <a:latin typeface="+mj-ea"/>
+                <a:ea typeface="+mj-ea"/>
+                <a:sym typeface="Wingdings" panose="05000000000000000000" pitchFamily="2" charset="2"/>
+              </a:rPr>
+              <a:t>단계를 번갈아가면서 적용한다</a:t>
+            </a:r>
+            <a:r>
+              <a:rPr lang="en-US" altLang="ko-KR" sz="1200" dirty="0" smtClean="0">
+                <a:latin typeface="+mj-ea"/>
+                <a:ea typeface="+mj-ea"/>
+                <a:sym typeface="Wingdings" panose="05000000000000000000" pitchFamily="2" charset="2"/>
+              </a:rPr>
+              <a:t>. </a:t>
+            </a:r>
+          </a:p>
+          <a:p>
+            <a:pPr latinLnBrk="0">
+              <a:lnSpc>
+                <a:spcPct val="150000"/>
+              </a:lnSpc>
+            </a:pPr>
+            <a:r>
+              <a:rPr lang="ko-KR" altLang="en-US" sz="1200" dirty="0" smtClean="0">
+                <a:latin typeface="+mj-ea"/>
+                <a:ea typeface="+mj-ea"/>
+                <a:sym typeface="Wingdings" panose="05000000000000000000" pitchFamily="2" charset="2"/>
+              </a:rPr>
+              <a:t>최대화 단계에서 계산한 </a:t>
+            </a:r>
+            <a:r>
+              <a:rPr lang="ko-KR" altLang="en-US" sz="1200" dirty="0" err="1" smtClean="0">
+                <a:latin typeface="+mj-ea"/>
+                <a:ea typeface="+mj-ea"/>
+                <a:sym typeface="Wingdings" panose="05000000000000000000" pitchFamily="2" charset="2"/>
+              </a:rPr>
+              <a:t>변수값은</a:t>
+            </a:r>
+            <a:r>
+              <a:rPr lang="ko-KR" altLang="en-US" sz="1200" dirty="0" smtClean="0">
+                <a:latin typeface="+mj-ea"/>
+                <a:ea typeface="+mj-ea"/>
+                <a:sym typeface="Wingdings" panose="05000000000000000000" pitchFamily="2" charset="2"/>
+              </a:rPr>
+              <a:t> 다음 </a:t>
+            </a:r>
+            <a:r>
+              <a:rPr lang="ko-KR" altLang="en-US" sz="1200" dirty="0" err="1" smtClean="0">
+                <a:latin typeface="+mj-ea"/>
+                <a:ea typeface="+mj-ea"/>
+                <a:sym typeface="Wingdings" panose="05000000000000000000" pitchFamily="2" charset="2"/>
+              </a:rPr>
+              <a:t>기댓값</a:t>
+            </a:r>
+            <a:r>
+              <a:rPr lang="ko-KR" altLang="en-US" sz="1200" dirty="0" smtClean="0">
+                <a:latin typeface="+mj-ea"/>
+                <a:ea typeface="+mj-ea"/>
+                <a:sym typeface="Wingdings" panose="05000000000000000000" pitchFamily="2" charset="2"/>
+              </a:rPr>
+              <a:t> 단계의 </a:t>
+            </a:r>
+            <a:r>
+              <a:rPr lang="ko-KR" altLang="en-US" sz="1200" dirty="0" err="1" smtClean="0">
+                <a:latin typeface="+mj-ea"/>
+                <a:ea typeface="+mj-ea"/>
+                <a:sym typeface="Wingdings" panose="05000000000000000000" pitchFamily="2" charset="2"/>
+              </a:rPr>
+              <a:t>추정값으로</a:t>
+            </a:r>
+            <a:r>
+              <a:rPr lang="ko-KR" altLang="en-US" sz="1200" dirty="0" smtClean="0">
+                <a:latin typeface="+mj-ea"/>
+                <a:ea typeface="+mj-ea"/>
+                <a:sym typeface="Wingdings" panose="05000000000000000000" pitchFamily="2" charset="2"/>
+              </a:rPr>
+              <a:t> 쓰인다</a:t>
+            </a:r>
+            <a:r>
+              <a:rPr lang="en-US" altLang="ko-KR" sz="1200" dirty="0" smtClean="0">
+                <a:latin typeface="+mj-ea"/>
+                <a:ea typeface="+mj-ea"/>
+                <a:sym typeface="Wingdings" panose="05000000000000000000" pitchFamily="2" charset="2"/>
+              </a:rPr>
+              <a:t>.</a:t>
+            </a:r>
+          </a:p>
+        </p:txBody>
+      </p:sp>
+    </p:spTree>
+    <p:extLst>
+      <p:ext uri="{BB962C8B-B14F-4D97-AF65-F5344CB8AC3E}">
+        <p14:creationId xmlns:p14="http://schemas.microsoft.com/office/powerpoint/2010/main" val="2329853163"/>
+      </p:ext>
+    </p:extLst>
+  </p:cSld>
+  <p:clrMapOvr>
+    <a:masterClrMapping/>
+  </p:clrMapOvr>
 </p:sld>
 </file>
 
